--- a/HC05/HC5_EN.pptx
+++ b/HC05/HC5_EN.pptx
@@ -286,7 +286,7 @@
           <a:p>
             <a:fld id="{E7C94BC4-5B77-4BEA-AE10-D37FB4958CB3}" type="datetimeFigureOut">
               <a:rPr lang="en-US" smtClean="0"/>
-              <a:t>3/6/2023</a:t>
+              <a:t>2/22/2025</a:t>
             </a:fld>
             <a:endParaRPr lang="en-US"/>
           </a:p>
@@ -451,7 +451,7 @@
           <a:p>
             <a:fld id="{3D057A1C-535D-42DB-8B7E-CBD05FB93862}" type="datetimeFigureOut">
               <a:rPr lang="en-US" smtClean="0"/>
-              <a:t>3/6/2023</a:t>
+              <a:t>2/22/2025</a:t>
             </a:fld>
             <a:endParaRPr lang="en-US"/>
           </a:p>
@@ -4370,7 +4370,7 @@
           <a:p>
             <a:fld id="{D8C34165-EFC3-400A-A1C6-86C93DDE4B90}" type="datetime1">
               <a:rPr lang="en-US" smtClean="0"/>
-              <a:t>3/6/2023</a:t>
+              <a:t>2/22/2025</a:t>
             </a:fld>
             <a:endParaRPr lang="en-US"/>
           </a:p>
@@ -4543,7 +4543,7 @@
           <a:p>
             <a:fld id="{805EA9B0-FACE-45ED-9F8F-BFF932AE3B1E}" type="datetime1">
               <a:rPr lang="en-US" smtClean="0"/>
-              <a:t>3/6/2023</a:t>
+              <a:t>2/22/2025</a:t>
             </a:fld>
             <a:endParaRPr lang="en-US"/>
           </a:p>
@@ -4726,7 +4726,7 @@
           <a:p>
             <a:fld id="{866A1731-948C-4576-A6B3-19A59F68BDEE}" type="datetime1">
               <a:rPr lang="en-US" smtClean="0"/>
-              <a:t>3/6/2023</a:t>
+              <a:t>2/22/2025</a:t>
             </a:fld>
             <a:endParaRPr lang="en-US"/>
           </a:p>
@@ -4899,7 +4899,7 @@
           <a:p>
             <a:fld id="{B31A6A06-8F09-4636-BD8C-5692A24725C0}" type="datetime1">
               <a:rPr lang="en-US" smtClean="0"/>
-              <a:t>3/6/2023</a:t>
+              <a:t>2/22/2025</a:t>
             </a:fld>
             <a:endParaRPr lang="en-US"/>
           </a:p>
@@ -5148,7 +5148,7 @@
           <a:p>
             <a:fld id="{B8AF06DD-0488-416C-9DAA-A878DD84D928}" type="datetime1">
               <a:rPr lang="en-US" smtClean="0"/>
-              <a:t>3/6/2023</a:t>
+              <a:t>2/22/2025</a:t>
             </a:fld>
             <a:endParaRPr lang="en-US"/>
           </a:p>
@@ -5383,7 +5383,7 @@
           <a:p>
             <a:fld id="{50DAA8DF-E02C-48E7-866C-4E1687495428}" type="datetime1">
               <a:rPr lang="en-US" smtClean="0"/>
-              <a:t>3/6/2023</a:t>
+              <a:t>2/22/2025</a:t>
             </a:fld>
             <a:endParaRPr lang="en-US"/>
           </a:p>
@@ -5753,7 +5753,7 @@
           <a:p>
             <a:fld id="{7A12D730-20FA-4649-BEBC-D0CA417BFD6A}" type="datetime1">
               <a:rPr lang="en-US" smtClean="0"/>
-              <a:t>3/6/2023</a:t>
+              <a:t>2/22/2025</a:t>
             </a:fld>
             <a:endParaRPr lang="en-US"/>
           </a:p>
@@ -5874,7 +5874,7 @@
           <a:p>
             <a:fld id="{63860497-FF3A-4351-AEB8-6CFE1F2A600F}" type="datetime1">
               <a:rPr lang="en-US" smtClean="0"/>
-              <a:t>3/6/2023</a:t>
+              <a:t>2/22/2025</a:t>
             </a:fld>
             <a:endParaRPr lang="en-US"/>
           </a:p>
@@ -5972,7 +5972,7 @@
           <a:p>
             <a:fld id="{E2E0F517-8A3A-4B25-9D8C-F903EE90A01C}" type="datetime1">
               <a:rPr lang="en-US" smtClean="0"/>
-              <a:t>3/6/2023</a:t>
+              <a:t>2/22/2025</a:t>
             </a:fld>
             <a:endParaRPr lang="en-US"/>
           </a:p>
@@ -6252,7 +6252,7 @@
           <a:p>
             <a:fld id="{1D037B98-03EB-4896-BF51-18994005F211}" type="datetime1">
               <a:rPr lang="en-US" smtClean="0"/>
-              <a:t>3/6/2023</a:t>
+              <a:t>2/22/2025</a:t>
             </a:fld>
             <a:endParaRPr lang="en-US"/>
           </a:p>
@@ -6512,7 +6512,7 @@
           <a:p>
             <a:fld id="{95A59559-E523-43FA-B4D3-75B05235F0FE}" type="datetime1">
               <a:rPr lang="en-US" smtClean="0"/>
-              <a:t>3/6/2023</a:t>
+              <a:t>2/22/2025</a:t>
             </a:fld>
             <a:endParaRPr lang="en-US"/>
           </a:p>
@@ -6728,7 +6728,7 @@
           <a:p>
             <a:fld id="{E0BF7360-6ED9-4BB6-88BC-D6DBB97D2107}" type="datetime1">
               <a:rPr lang="en-US" smtClean="0"/>
-              <a:t>3/6/2023</a:t>
+              <a:t>2/22/2025</a:t>
             </a:fld>
             <a:endParaRPr lang="en-US"/>
           </a:p>
@@ -14171,7 +14171,7 @@
           <a:p>
             <a:r>
               <a:rPr lang="en-US" sz="1900" dirty="0"/>
-              <a:t>When ANOVA ‘says’ that the means differ, one can use </a:t>
+              <a:t>When ANOVA ‘says’ that the means differ, and THEN you decide to compare individuals means, then use </a:t>
             </a:r>
             <a:r>
               <a:rPr lang="en-US" sz="1900" b="1" dirty="0"/>
@@ -15811,7 +15811,7 @@
             <a:pPr lvl="0"/>
             <a:r>
               <a:rPr lang="en-US" sz="1900" noProof="0" dirty="0"/>
-              <a:t>Homogeneous subset: the means of the groups that </a:t>
+              <a:t>Homogeneous subset: the (pooled) means of the groups that </a:t>
             </a:r>
             <a:r>
               <a:rPr lang="en-US" sz="1900" u="sng" noProof="0" dirty="0"/>
@@ -15819,7 +15819,7 @@
             </a:r>
             <a:r>
               <a:rPr lang="en-US" sz="1900" noProof="0" dirty="0"/>
-              <a:t> differ significantly from each other</a:t>
+              <a:t> differ significantly from each other, taken together</a:t>
             </a:r>
           </a:p>
           <a:p>
@@ -15829,7 +15829,7 @@
           <a:p>
             <a:r>
               <a:rPr lang="en-US" sz="1900" i="1" noProof="0" dirty="0"/>
-              <a:t>P</a:t>
+              <a:t>p</a:t>
             </a:r>
             <a:r>
               <a:rPr lang="en-US" sz="1900" noProof="0" dirty="0"/>
@@ -16550,8 +16550,8 @@
           </a:p>
         </p:txBody>
       </p:sp>
-      <mc:AlternateContent xmlns:mc="http://schemas.openxmlformats.org/markup-compatibility/2006" xmlns:a14="http://schemas.microsoft.com/office/drawing/2010/main">
-        <mc:Choice Requires="a14">
+      <mc:AlternateContent xmlns:mc="http://schemas.openxmlformats.org/markup-compatibility/2006">
+        <mc:Choice xmlns:a14="http://schemas.microsoft.com/office/drawing/2010/main" Requires="a14">
           <p:sp>
             <p:nvSpPr>
               <p:cNvPr id="6" name="Content Placeholder 2"/>
@@ -17279,7 +17279,32 @@
                     </a:solidFill>
                     <a:sym typeface="Wingdings" panose="05000000000000000000" pitchFamily="2" charset="2"/>
                   </a:rPr>
-                  <a:t>Very important  Ignore the “Sig.”!</a:t>
+                  <a:t>Very important  Ignore the “Sig.”, only use </a:t>
+                </a:r>
+                <a:r>
+                  <a:rPr lang="en-US" sz="2000" i="1" dirty="0" err="1">
+                    <a:solidFill>
+                      <a:srgbClr val="FF0000"/>
+                    </a:solidFill>
+                  </a:rPr>
+                  <a:t>F</a:t>
+                </a:r>
+                <a:r>
+                  <a:rPr lang="en-US" sz="2000" baseline="-25000" dirty="0" err="1">
+                    <a:solidFill>
+                      <a:srgbClr val="FF0000"/>
+                    </a:solidFill>
+                  </a:rPr>
+                  <a:t>cv</a:t>
+                </a:r>
+                <a:r>
+                  <a:rPr lang="en-US" sz="2000" b="1" dirty="0">
+                    <a:solidFill>
+                      <a:srgbClr val="FF0000"/>
+                    </a:solidFill>
+                    <a:sym typeface="Wingdings" panose="05000000000000000000" pitchFamily="2" charset="2"/>
+                  </a:rPr>
+                  <a:t>!</a:t>
                 </a:r>
               </a:p>
               <a:p>
@@ -17332,7 +17357,7 @@
             </p:txBody>
           </p:sp>
         </mc:Choice>
-        <mc:Fallback xmlns="">
+        <mc:Fallback>
           <p:sp>
             <p:nvSpPr>
               <p:cNvPr id="6" name="Content Placeholder 2"/>
@@ -17361,7 +17386,7 @@
               <a:lstStyle/>
               <a:p>
                 <a:r>
-                  <a:rPr lang="en-US">
+                  <a:rPr lang="nl-NL">
                     <a:noFill/>
                   </a:rPr>
                   <a:t> </a:t>
@@ -17522,7 +17547,7 @@
             </a:r>
             <a:r>
               <a:rPr lang="en-US" sz="2000" noProof="0" dirty="0"/>
-              <a:t> is rejected, we have convincing evidence that not </a:t>
+              <a:t> is rejected, we have evidence that not </a:t>
             </a:r>
             <a:r>
               <a:rPr lang="en-US" sz="2000" i="1" noProof="0" dirty="0"/>
@@ -20379,8 +20404,8 @@
           </a:p>
         </p:txBody>
       </p:sp>
-      <mc:AlternateContent xmlns:mc="http://schemas.openxmlformats.org/markup-compatibility/2006" xmlns:a14="http://schemas.microsoft.com/office/drawing/2010/main">
-        <mc:Choice Requires="a14">
+      <mc:AlternateContent xmlns:mc="http://schemas.openxmlformats.org/markup-compatibility/2006">
+        <mc:Choice xmlns:a14="http://schemas.microsoft.com/office/drawing/2010/main" Requires="a14">
           <p:sp>
             <p:nvSpPr>
               <p:cNvPr id="3" name="Content Placeholder 2"/>
@@ -20438,7 +20463,7 @@
               <a:p>
                 <a:r>
                   <a:rPr lang="en-US" sz="1900" noProof="0" dirty="0"/>
-                  <a:t>Contrast ‘explains’ part of the dispersion of the means (SS</a:t>
+                  <a:t>A contrast ‘explains’ part of the dispersion of the means (SS</a:t>
                 </a:r>
                 <a:r>
                   <a:rPr lang="en-US" sz="1900" baseline="-25000" noProof="0" dirty="0"/>
@@ -20668,7 +20693,7 @@
                   <a:rPr lang="en-US" sz="1900" noProof="0" dirty="0">
                     <a:sym typeface="Wingdings" panose="05000000000000000000" pitchFamily="2" charset="2"/>
                   </a:rPr>
-                  <a:t> each contrast uses unique information</a:t>
+                  <a:t>/ not overlapping /  each contrast uses unique information</a:t>
                 </a:r>
                 <a:endParaRPr lang="en-US" sz="1900" noProof="0" dirty="0"/>
               </a:p>
@@ -20681,7 +20706,7 @@
             </p:txBody>
           </p:sp>
         </mc:Choice>
-        <mc:Fallback xmlns="">
+        <mc:Fallback>
           <p:sp>
             <p:nvSpPr>
               <p:cNvPr id="3" name="Content Placeholder 2"/>
@@ -24983,8 +25008,8 @@
           </a:p>
         </p:txBody>
       </p:sp>
-      <mc:AlternateContent xmlns:mc="http://schemas.openxmlformats.org/markup-compatibility/2006">
-        <mc:Choice xmlns:a14="http://schemas.microsoft.com/office/drawing/2010/main" Requires="a14">
+      <mc:AlternateContent xmlns:mc="http://schemas.openxmlformats.org/markup-compatibility/2006" xmlns:a14="http://schemas.microsoft.com/office/drawing/2010/main">
+        <mc:Choice Requires="a14">
           <p:graphicFrame>
             <p:nvGraphicFramePr>
               <p:cNvPr id="8" name="Table 7"/>
@@ -25986,16 +26011,7 @@
                                       <a:ea typeface="Calibri" panose="020F0502020204030204" pitchFamily="34" charset="0"/>
                                       <a:cs typeface="Times New Roman" panose="02020603050405020304" pitchFamily="18" charset="0"/>
                                     </a:rPr>
-                                    <m:t>2</m:t>
-                                  </m:r>
-                                  <m:r>
-                                    <a:rPr lang="en-US" sz="1800" b="0" i="1" smtClean="0">
-                                      <a:effectLst/>
-                                      <a:latin typeface="Cambria Math" panose="02040503050406030204" pitchFamily="18" charset="0"/>
-                                      <a:ea typeface="Calibri" panose="020F0502020204030204" pitchFamily="34" charset="0"/>
-                                      <a:cs typeface="Times New Roman" panose="02020603050405020304" pitchFamily="18" charset="0"/>
-                                    </a:rPr>
-                                    <m:t>1</m:t>
+                                    <m:t>21</m:t>
                                   </m:r>
                                 </m:sub>
                               </m:sSub>
@@ -26199,7 +26215,7 @@
             </a:graphic>
           </p:graphicFrame>
         </mc:Choice>
-        <mc:Fallback>
+        <mc:Fallback xmlns="">
           <p:graphicFrame>
             <p:nvGraphicFramePr>
               <p:cNvPr id="8" name="Table 7"/>
@@ -28069,8 +28085,8 @@
           </a:prstGeom>
         </p:spPr>
       </p:pic>
-      <mc:AlternateContent xmlns:mc="http://schemas.openxmlformats.org/markup-compatibility/2006">
-        <mc:Choice xmlns:a14="http://schemas.microsoft.com/office/drawing/2010/main" Requires="a14">
+      <mc:AlternateContent xmlns:mc="http://schemas.openxmlformats.org/markup-compatibility/2006" xmlns:a14="http://schemas.microsoft.com/office/drawing/2010/main">
+        <mc:Choice Requires="a14">
           <p:graphicFrame>
             <p:nvGraphicFramePr>
               <p:cNvPr id="8" name="Table 7"/>
@@ -29072,16 +29088,7 @@
                                       <a:ea typeface="Calibri" panose="020F0502020204030204" pitchFamily="34" charset="0"/>
                                       <a:cs typeface="Times New Roman" panose="02020603050405020304" pitchFamily="18" charset="0"/>
                                     </a:rPr>
-                                    <m:t>2</m:t>
-                                  </m:r>
-                                  <m:r>
-                                    <a:rPr lang="en-US" sz="1800" b="0" i="1" smtClean="0">
-                                      <a:effectLst/>
-                                      <a:latin typeface="Cambria Math" panose="02040503050406030204" pitchFamily="18" charset="0"/>
-                                      <a:ea typeface="Calibri" panose="020F0502020204030204" pitchFamily="34" charset="0"/>
-                                      <a:cs typeface="Times New Roman" panose="02020603050405020304" pitchFamily="18" charset="0"/>
-                                    </a:rPr>
-                                    <m:t>1</m:t>
+                                    <m:t>21</m:t>
                                   </m:r>
                                 </m:sub>
                               </m:sSub>
@@ -29285,7 +29292,7 @@
             </a:graphic>
           </p:graphicFrame>
         </mc:Choice>
-        <mc:Fallback>
+        <mc:Fallback xmlns="">
           <p:graphicFrame>
             <p:nvGraphicFramePr>
               <p:cNvPr id="8" name="Table 7"/>
